--- a/presentation_generated/presentation_llama2.pptx
+++ b/presentation_generated/presentation_llama2.pptx
@@ -4,6 +4,15 @@
   <p:sldMasterIdLst>
     <p:sldMasterId id="2147483648" r:id="rId1"/>
   </p:sldMasterIdLst>
+  <p:sldIdLst>
+    <p:sldId id="256" r:id="rId7"/>
+    <p:sldId id="257" r:id="rId8"/>
+    <p:sldId id="258" r:id="rId9"/>
+    <p:sldId id="259" r:id="rId10"/>
+    <p:sldId id="260" r:id="rId11"/>
+    <p:sldId id="261" r:id="rId12"/>
+    <p:sldId id="262" r:id="rId13"/>
+  </p:sldIdLst>
   <p:sldSz cx="9144000" cy="6858000" type="screen4x3"/>
   <p:notesSz cx="6858000" cy="9144000"/>
   <p:defaultTextStyle>
@@ -3073,6 +3082,426 @@
     </p:otherStyle>
   </p:txStyles>
 </p:sldMaster>
+</file>
+
+<file path=ppt/slides/slide1.xml><?xml version="1.0" encoding="utf-8"?>
+<p:sld xmlns:a="http://schemas.openxmlformats.org/drawingml/2006/main" xmlns:p="http://schemas.openxmlformats.org/presentationml/2006/main" xmlns:r="http://schemas.openxmlformats.org/officeDocument/2006/relationships">
+  <p:cSld>
+    <p:spTree>
+      <p:nvGrpSpPr>
+        <p:cNvPr id="1" name=""/>
+        <p:cNvGrpSpPr/>
+        <p:nvPr/>
+      </p:nvGrpSpPr>
+      <p:grpSpPr/>
+      <p:sp>
+        <p:nvSpPr>
+          <p:cNvPr id="2" name="Title 1"/>
+          <p:cNvSpPr>
+            <a:spLocks noGrp="1"/>
+          </p:cNvSpPr>
+          <p:nvPr>
+            <p:ph type="title"/>
+          </p:nvPr>
+        </p:nvSpPr>
+        <p:spPr/>
+        <p:txBody>
+          <a:bodyPr/>
+          <a:lstStyle/>
+          <a:p>
+            <a:r>
+              <a:t>Learning with Experts for Fine-grained Category Discovery</a:t>
+            </a:r>
+          </a:p>
+        </p:txBody>
+      </p:sp>
+      <p:sp>
+        <p:nvSpPr>
+          <p:cNvPr id="3" name="Content Placeholder 2"/>
+          <p:cNvSpPr>
+            <a:spLocks noGrp="1"/>
+          </p:cNvSpPr>
+          <p:nvPr>
+            <p:ph idx="1"/>
+          </p:nvPr>
+        </p:nvSpPr>
+        <p:spPr/>
+        <p:txBody>
+          <a:bodyPr/>
+          <a:lstStyle/>
+          <a:p>
+            <a:r>
+              <a:t>The paper "XCon: Learning with Experts for Fine-grained Category Discovery" by Yixin Fei et al. introduces a novel approach to address the problem of Generalized Category Discovery (GCD) in fine-grained datasets. GCD aims to cluster unlabeled images by leveraging information from a set of seen (labeled) classes, which is challenging due to large inter-class similarities and intra-class variances. XCon enhances the model's ability to discern fine-grained discriminative features by partitioning the dataset into sub-datasets using k-means clustering and applying contrastive learning within these partitions.</a:t>
+            </a:r>
+          </a:p>
+        </p:txBody>
+      </p:sp>
+    </p:spTree>
+  </p:cSld>
+  <p:clrMapOvr>
+    <a:masterClrMapping/>
+  </p:clrMapOvr>
+</p:sld>
+</file>
+
+<file path=ppt/slides/slide2.xml><?xml version="1.0" encoding="utf-8"?>
+<p:sld xmlns:a="http://schemas.openxmlformats.org/drawingml/2006/main" xmlns:p="http://schemas.openxmlformats.org/presentationml/2006/main" xmlns:r="http://schemas.openxmlformats.org/officeDocument/2006/relationships">
+  <p:cSld>
+    <p:spTree>
+      <p:nvGrpSpPr>
+        <p:cNvPr id="1" name=""/>
+        <p:cNvGrpSpPr/>
+        <p:nvPr/>
+      </p:nvGrpSpPr>
+      <p:grpSpPr/>
+      <p:sp>
+        <p:nvSpPr>
+          <p:cNvPr id="2" name="Title 1"/>
+          <p:cNvSpPr>
+            <a:spLocks noGrp="1"/>
+          </p:cNvSpPr>
+          <p:nvPr>
+            <p:ph type="title"/>
+          </p:nvPr>
+        </p:nvSpPr>
+        <p:spPr/>
+        <p:txBody>
+          <a:bodyPr/>
+          <a:lstStyle/>
+          <a:p>
+            <a:r>
+              <a:t>Novel Category Discovery vs Fine-grained Category Discovery</a:t>
+            </a:r>
+          </a:p>
+        </p:txBody>
+      </p:sp>
+      <p:sp>
+        <p:nvSpPr>
+          <p:cNvPr id="3" name="Content Placeholder 2"/>
+          <p:cNvSpPr>
+            <a:spLocks noGrp="1"/>
+          </p:cNvSpPr>
+          <p:nvPr>
+            <p:ph idx="1"/>
+          </p:nvPr>
+        </p:nvSpPr>
+        <p:spPr/>
+        <p:txBody>
+          <a:bodyPr/>
+          <a:lstStyle/>
+          <a:p>
+            <a:r>
+              <a:t>Earlier works in Novel Category Discovery (NCD) have utilized transfer learning and self-supervision techniques to categorize unseen classes based on knowledge transferred from seen classes. However, these methods are limited in their effectiveness in fine-grained classification tasks where class distinctions are more nuanced. XCon addresses this challenge by leveraging expert sub-datasets and a combination of contrastive learning approaches.</a:t>
+            </a:r>
+          </a:p>
+        </p:txBody>
+      </p:sp>
+    </p:spTree>
+  </p:cSld>
+  <p:clrMapOvr>
+    <a:masterClrMapping/>
+  </p:clrMapOvr>
+</p:sld>
+</file>
+
+<file path=ppt/slides/slide3.xml><?xml version="1.0" encoding="utf-8"?>
+<p:sld xmlns:a="http://schemas.openxmlformats.org/drawingml/2006/main" xmlns:p="http://schemas.openxmlformats.org/presentationml/2006/main" xmlns:r="http://schemas.openxmlformats.org/officeDocument/2006/relationships">
+  <p:cSld>
+    <p:spTree>
+      <p:nvGrpSpPr>
+        <p:cNvPr id="1" name=""/>
+        <p:cNvGrpSpPr/>
+        <p:nvPr/>
+      </p:nvGrpSpPr>
+      <p:grpSpPr/>
+      <p:sp>
+        <p:nvSpPr>
+          <p:cNvPr id="2" name="Title 1"/>
+          <p:cNvSpPr>
+            <a:spLocks noGrp="1"/>
+          </p:cNvSpPr>
+          <p:nvPr>
+            <p:ph type="title"/>
+          </p:nvPr>
+        </p:nvSpPr>
+        <p:spPr/>
+        <p:txBody>
+          <a:bodyPr/>
+          <a:lstStyle/>
+          <a:p>
+            <a:r>
+              <a:t>Partitioning the Dataset using k-means Clustering</a:t>
+            </a:r>
+          </a:p>
+        </p:txBody>
+      </p:sp>
+      <p:sp>
+        <p:nvSpPr>
+          <p:cNvPr id="3" name="Content Placeholder 2"/>
+          <p:cNvSpPr>
+            <a:spLocks noGrp="1"/>
+          </p:cNvSpPr>
+          <p:nvPr>
+            <p:ph idx="1"/>
+          </p:nvPr>
+        </p:nvSpPr>
+        <p:spPr/>
+        <p:txBody>
+          <a:bodyPr/>
+          <a:lstStyle/>
+          <a:p>
+            <a:r>
+              <a:t>XCon partitions the dataset into several sub-datasets (referred to as expert datasets) using k-means clustering on self-supervised representations. This partitioning is based on the insight that class-irrelevant cues can lead to misleading clustering, thus, by creating more homogenized sub-datasets, the model is compelled to learn finer distinctions between classes.</a:t>
+            </a:r>
+          </a:p>
+        </p:txBody>
+      </p:sp>
+    </p:spTree>
+  </p:cSld>
+  <p:clrMapOvr>
+    <a:masterClrMapping/>
+  </p:clrMapOvr>
+</p:sld>
+</file>
+
+<file path=ppt/slides/slide4.xml><?xml version="1.0" encoding="utf-8"?>
+<p:sld xmlns:a="http://schemas.openxmlformats.org/drawingml/2006/main" xmlns:p="http://schemas.openxmlformats.org/presentationml/2006/main" xmlns:r="http://schemas.openxmlformats.org/officeDocument/2006/relationships">
+  <p:cSld>
+    <p:spTree>
+      <p:nvGrpSpPr>
+        <p:cNvPr id="1" name=""/>
+        <p:cNvGrpSpPr/>
+        <p:nvPr/>
+      </p:nvGrpSpPr>
+      <p:grpSpPr/>
+      <p:sp>
+        <p:nvSpPr>
+          <p:cNvPr id="2" name="Title 1"/>
+          <p:cNvSpPr>
+            <a:spLocks noGrp="1"/>
+          </p:cNvSpPr>
+          <p:nvPr>
+            <p:ph type="title"/>
+          </p:nvPr>
+        </p:nvSpPr>
+        <p:spPr/>
+        <p:txBody>
+          <a:bodyPr/>
+          <a:lstStyle/>
+          <a:p>
+            <a:r>
+              <a:t>Supervised and Unsupervised Contrastive Learning</a:t>
+            </a:r>
+          </a:p>
+        </p:txBody>
+      </p:sp>
+      <p:sp>
+        <p:nvSpPr>
+          <p:cNvPr id="3" name="Content Placeholder 2"/>
+          <p:cNvSpPr>
+            <a:spLocks noGrp="1"/>
+          </p:cNvSpPr>
+          <p:nvPr>
+            <p:ph idx="1"/>
+          </p:nvPr>
+        </p:nvSpPr>
+        <p:spPr/>
+        <p:txBody>
+          <a:bodyPr/>
+          <a:lstStyle/>
+          <a:p>
+            <a:r>
+              <a:t>The learning process involves both supervised and unsupervised contrastive learning across the full dataset and within the sub-datasets. The losses from these learning processes are combined to form the model's final optimization objective. This dual approach allows XCon to learn from both coarse-grained (overall dataset) and fine-grained (sub-dataset) features.</a:t>
+            </a:r>
+          </a:p>
+        </p:txBody>
+      </p:sp>
+    </p:spTree>
+  </p:cSld>
+  <p:clrMapOvr>
+    <a:masterClrMapping/>
+  </p:clrMapOvr>
+</p:sld>
+</file>
+
+<file path=ppt/slides/slide5.xml><?xml version="1.0" encoding="utf-8"?>
+<p:sld xmlns:a="http://schemas.openxmlformats.org/drawingml/2006/main" xmlns:p="http://schemas.openxmlformats.org/presentationml/2006/main" xmlns:r="http://schemas.openxmlformats.org/officeDocument/2006/relationships">
+  <p:cSld>
+    <p:spTree>
+      <p:nvGrpSpPr>
+        <p:cNvPr id="1" name=""/>
+        <p:cNvGrpSpPr/>
+        <p:nvPr/>
+      </p:nvGrpSpPr>
+      <p:grpSpPr/>
+      <p:sp>
+        <p:nvSpPr>
+          <p:cNvPr id="2" name="Title 1"/>
+          <p:cNvSpPr>
+            <a:spLocks noGrp="1"/>
+          </p:cNvSpPr>
+          <p:nvPr>
+            <p:ph type="title"/>
+          </p:nvPr>
+        </p:nvSpPr>
+        <p:spPr/>
+        <p:txBody>
+          <a:bodyPr/>
+          <a:lstStyle/>
+          <a:p>
+            <a:r>
+              <a:t>State-of-the-Art Performance on Fine-grained Category Discovery Benchmarks</a:t>
+            </a:r>
+          </a:p>
+        </p:txBody>
+      </p:sp>
+      <p:sp>
+        <p:nvSpPr>
+          <p:cNvPr id="3" name="Content Placeholder 2"/>
+          <p:cNvSpPr>
+            <a:spLocks noGrp="1"/>
+          </p:cNvSpPr>
+          <p:nvPr>
+            <p:ph idx="1"/>
+          </p:nvPr>
+        </p:nvSpPr>
+        <p:spPr/>
+        <p:txBody>
+          <a:bodyPr/>
+          <a:lstStyle/>
+          <a:p>
+            <a:r>
+              <a:t>The effectiveness of XCon was evaluated on various datasets, including CIFAR-10/100, ImageNet-100, CUB-200, Stanford Cars, FGVC-Aircraft, and Oxford-IIIT Pet. These datasets encompass a wide range of classification challenges, from generic to fine-grained categories. XCon achieved state-of-the-art performance on several fine-grained category discovery benchmarks, demonstrating its capability to enhance classification performance significantly in challenging datasets.</a:t>
+            </a:r>
+          </a:p>
+        </p:txBody>
+      </p:sp>
+    </p:spTree>
+  </p:cSld>
+  <p:clrMapOvr>
+    <a:masterClrMapping/>
+  </p:clrMapOvr>
+</p:sld>
+</file>
+
+<file path=ppt/slides/slide6.xml><?xml version="1.0" encoding="utf-8"?>
+<p:sld xmlns:a="http://schemas.openxmlformats.org/drawingml/2006/main" xmlns:p="http://schemas.openxmlformats.org/presentationml/2006/main" xmlns:r="http://schemas.openxmlformats.org/officeDocument/2006/relationships">
+  <p:cSld>
+    <p:spTree>
+      <p:nvGrpSpPr>
+        <p:cNvPr id="1" name=""/>
+        <p:cNvGrpSpPr/>
+        <p:nvPr/>
+      </p:nvGrpSpPr>
+      <p:grpSpPr/>
+      <p:sp>
+        <p:nvSpPr>
+          <p:cNvPr id="2" name="Title 1"/>
+          <p:cNvSpPr>
+            <a:spLocks noGrp="1"/>
+          </p:cNvSpPr>
+          <p:nvPr>
+            <p:ph type="title"/>
+          </p:nvPr>
+        </p:nvSpPr>
+        <p:spPr/>
+        <p:txBody>
+          <a:bodyPr/>
+          <a:lstStyle/>
+          <a:p>
+            <a:r>
+              <a:t>Validating the Effectiveness of XCon Components</a:t>
+            </a:r>
+          </a:p>
+        </p:txBody>
+      </p:sp>
+      <p:sp>
+        <p:nvSpPr>
+          <p:cNvPr id="3" name="Content Placeholder 2"/>
+          <p:cNvSpPr>
+            <a:spLocks noGrp="1"/>
+          </p:cNvSpPr>
+          <p:nvPr>
+            <p:ph idx="1"/>
+          </p:nvPr>
+        </p:nvSpPr>
+        <p:spPr/>
+        <p:txBody>
+          <a:bodyPr/>
+          <a:lstStyle/>
+          <a:p>
+            <a:r>
+              <a:t>Ablation studies were conducted to validate the effectiveness of various components of XCon, including the impact of the weight of fine-grained loss and the number of sub-datasets. These studies confirmed the robustness of the XCon approach across different configurations and provided insights into optimal settings for different datasets.</a:t>
+            </a:r>
+          </a:p>
+        </p:txBody>
+      </p:sp>
+    </p:spTree>
+  </p:cSld>
+  <p:clrMapOvr>
+    <a:masterClrMapping/>
+  </p:clrMapOvr>
+</p:sld>
+</file>
+
+<file path=ppt/slides/slide7.xml><?xml version="1.0" encoding="utf-8"?>
+<p:sld xmlns:a="http://schemas.openxmlformats.org/drawingml/2006/main" xmlns:p="http://schemas.openxmlformats.org/presentationml/2006/main" xmlns:r="http://schemas.openxmlformats.org/officeDocument/2006/relationships">
+  <p:cSld>
+    <p:spTree>
+      <p:nvGrpSpPr>
+        <p:cNvPr id="1" name=""/>
+        <p:cNvGrpSpPr/>
+        <p:nvPr/>
+      </p:nvGrpSpPr>
+      <p:grpSpPr/>
+      <p:sp>
+        <p:nvSpPr>
+          <p:cNvPr id="2" name="Title 1"/>
+          <p:cNvSpPr>
+            <a:spLocks noGrp="1"/>
+          </p:cNvSpPr>
+          <p:nvPr>
+            <p:ph type="title"/>
+          </p:nvPr>
+        </p:nvSpPr>
+        <p:spPr/>
+        <p:txBody>
+          <a:bodyPr/>
+          <a:lstStyle/>
+          <a:p>
+            <a:r>
+              <a:t>A Novel Approach to Fine-grained Category Discovery</a:t>
+            </a:r>
+          </a:p>
+        </p:txBody>
+      </p:sp>
+      <p:sp>
+        <p:nvSpPr>
+          <p:cNvPr id="3" name="Content Placeholder 2"/>
+          <p:cNvSpPr>
+            <a:spLocks noGrp="1"/>
+          </p:cNvSpPr>
+          <p:nvPr>
+            <p:ph idx="1"/>
+          </p:nvPr>
+        </p:nvSpPr>
+        <p:spPr/>
+        <p:txBody>
+          <a:bodyPr/>
+          <a:lstStyle/>
+          <a:p>
+            <a:r>
+              <a:t>XCon introduces a novel method for fine-grained category discovery by leveraging expert sub-datasets and a combination of contrastive learning approaches. Its success across various benchmarks signifies a significant advancement in the field, offering a new direction for research in unsupervised and semi-supervised learning within fine-grained classification scenarios. The method's codebase has been made publicly available, encouraging further exploration and adaptation of this approach within the research community.</a:t>
+            </a:r>
+          </a:p>
+        </p:txBody>
+      </p:sp>
+    </p:spTree>
+  </p:cSld>
+  <p:clrMapOvr>
+    <a:masterClrMapping/>
+  </p:clrMapOvr>
+</p:sld>
 </file>
 
 <file path=ppt/theme/theme1.xml><?xml version="1.0" encoding="utf-8"?>
